--- a/presentations/word-embeddings.pptx
+++ b/presentations/word-embeddings.pptx
@@ -238,7 +238,7 @@
           <a:p>
             <a:fld id="{06220CBB-D972-D444-8592-B23A7758CEF7}" type="datetimeFigureOut">
               <a:rPr lang="en-US" smtClean="0"/>
-              <a:t>10/20/24</a:t>
+              <a:t>1/18/26</a:t>
             </a:fld>
             <a:endParaRPr lang="en-US"/>
           </a:p>
@@ -1438,7 +1438,7 @@
             <a:fld id="{46D46D31-4F81-C84C-9C9E-CC304FB2B6EB}" type="datetimeFigureOut">
               <a:rPr lang="en-US" smtClean="0"/>
               <a:pPr/>
-              <a:t>10/20/24</a:t>
+              <a:t>1/18/26</a:t>
             </a:fld>
             <a:endParaRPr lang="en-US" dirty="0"/>
           </a:p>
@@ -2163,7 +2163,7 @@
             <a:fld id="{46D46D31-4F81-C84C-9C9E-CC304FB2B6EB}" type="datetimeFigureOut">
               <a:rPr lang="en-US" smtClean="0"/>
               <a:pPr/>
-              <a:t>10/20/24</a:t>
+              <a:t>1/18/26</a:t>
             </a:fld>
             <a:endParaRPr lang="en-US" dirty="0"/>
           </a:p>
@@ -2853,7 +2853,7 @@
             <a:fld id="{46D46D31-4F81-C84C-9C9E-CC304FB2B6EB}" type="datetimeFigureOut">
               <a:rPr lang="en-US" smtClean="0"/>
               <a:pPr/>
-              <a:t>10/20/24</a:t>
+              <a:t>1/18/26</a:t>
             </a:fld>
             <a:endParaRPr lang="en-US" dirty="0"/>
           </a:p>
@@ -3414,7 +3414,7 @@
             <a:fld id="{46D46D31-4F81-C84C-9C9E-CC304FB2B6EB}" type="datetimeFigureOut">
               <a:rPr lang="en-US" smtClean="0"/>
               <a:pPr/>
-              <a:t>10/20/24</a:t>
+              <a:t>1/18/26</a:t>
             </a:fld>
             <a:endParaRPr lang="en-US" dirty="0"/>
           </a:p>
@@ -4027,7 +4027,7 @@
             <a:fld id="{46D46D31-4F81-C84C-9C9E-CC304FB2B6EB}" type="datetimeFigureOut">
               <a:rPr lang="en-US" smtClean="0"/>
               <a:pPr/>
-              <a:t>10/20/24</a:t>
+              <a:t>1/18/26</a:t>
             </a:fld>
             <a:endParaRPr lang="en-US" dirty="0"/>
           </a:p>
@@ -4655,7 +4655,7 @@
             <a:fld id="{46D46D31-4F81-C84C-9C9E-CC304FB2B6EB}" type="datetimeFigureOut">
               <a:rPr lang="en-US" smtClean="0"/>
               <a:pPr/>
-              <a:t>10/20/24</a:t>
+              <a:t>1/18/26</a:t>
             </a:fld>
             <a:endParaRPr lang="en-US" dirty="0"/>
           </a:p>
@@ -5269,7 +5269,7 @@
             <a:fld id="{46D46D31-4F81-C84C-9C9E-CC304FB2B6EB}" type="datetimeFigureOut">
               <a:rPr lang="en-US" smtClean="0"/>
               <a:pPr/>
-              <a:t>10/20/24</a:t>
+              <a:t>1/18/26</a:t>
             </a:fld>
             <a:endParaRPr lang="en-US" dirty="0"/>
           </a:p>
@@ -5769,7 +5769,7 @@
             <a:fld id="{46D46D31-4F81-C84C-9C9E-CC304FB2B6EB}" type="datetimeFigureOut">
               <a:rPr lang="en-US" smtClean="0"/>
               <a:pPr/>
-              <a:t>10/20/24</a:t>
+              <a:t>1/18/26</a:t>
             </a:fld>
             <a:endParaRPr lang="en-US" dirty="0"/>
           </a:p>
@@ -6488,7 +6488,7 @@
             <a:fld id="{46D46D31-4F81-C84C-9C9E-CC304FB2B6EB}" type="datetimeFigureOut">
               <a:rPr lang="en-US" smtClean="0"/>
               <a:pPr/>
-              <a:t>10/20/24</a:t>
+              <a:t>1/18/26</a:t>
             </a:fld>
             <a:endParaRPr lang="en-US" dirty="0"/>
           </a:p>
@@ -7644,7 +7644,7 @@
             <a:fld id="{46D46D31-4F81-C84C-9C9E-CC304FB2B6EB}" type="datetimeFigureOut">
               <a:rPr lang="en-US" smtClean="0"/>
               <a:pPr/>
-              <a:t>10/20/24</a:t>
+              <a:t>1/18/26</a:t>
             </a:fld>
             <a:endParaRPr lang="en-US" dirty="0"/>
           </a:p>
@@ -9575,7 +9575,7 @@
           <a:p>
             <a:fld id="{51054624-0223-5041-BD13-AE5BA7BAECFD}" type="datetimeFigureOut">
               <a:rPr lang="en-GB" smtClean="0"/>
-              <a:t>20/10/2024</a:t>
+              <a:t>18/01/2026</a:t>
             </a:fld>
             <a:endParaRPr lang="en-GB"/>
           </a:p>
@@ -12885,10 +12885,6 @@
             <a:br>
               <a:rPr lang="en-US" sz="2800" dirty="0"/>
             </a:br>
-            <a:r>
-              <a:rPr lang="en-US" sz="2800" i="1" dirty="0"/>
-              <a:t>NLP in one day</a:t>
-            </a:r>
             <a:endParaRPr lang="en-US" sz="2800" b="1" dirty="0">
               <a:latin typeface="Calibri" panose="020F0502020204030204" pitchFamily="34" charset="0"/>
               <a:cs typeface="Calibri" panose="020F0502020204030204" pitchFamily="34" charset="0"/>
@@ -14795,21 +14791,6 @@
 </file>
 
 <file path=customXml/item1.xml><?xml version="1.0" encoding="utf-8"?>
-<p:properties xmlns:p="http://schemas.microsoft.com/office/2006/metadata/properties" xmlns:xsi="http://www.w3.org/2001/XMLSchema-instance" xmlns:pc="http://schemas.microsoft.com/office/infopath/2007/PartnerControls">
-  <documentManagement/>
-</p:properties>
-</file>
-
-<file path=customXml/item2.xml><?xml version="1.0" encoding="utf-8"?>
-<?mso-contentType ?>
-<FormTemplates xmlns="http://schemas.microsoft.com/sharepoint/v3/contenttype/forms">
-  <Display>DocumentLibraryForm</Display>
-  <Edit>DocumentLibraryForm</Edit>
-  <New>DocumentLibraryForm</New>
-</FormTemplates>
-</file>
-
-<file path=customXml/item3.xml><?xml version="1.0" encoding="utf-8"?>
 <ct:contentTypeSchema xmlns:ct="http://schemas.microsoft.com/office/2006/metadata/contentType" xmlns:ma="http://schemas.microsoft.com/office/2006/metadata/properties/metaAttributes" ct:_="" ma:_="" ma:contentTypeName="Document" ma:contentTypeID="0x010100B02558F287BC8344AD539CDC4DA17FBC" ma:contentTypeVersion="10" ma:contentTypeDescription="Create a new document." ma:contentTypeScope="" ma:versionID="165e8038d85e89d0753c71c915416bd7">
   <xsd:schema xmlns:xsd="http://www.w3.org/2001/XMLSchema" xmlns:xs="http://www.w3.org/2001/XMLSchema" xmlns:p="http://schemas.microsoft.com/office/2006/metadata/properties" xmlns:ns2="a9a9e2ba-2d19-46fe-bf54-0255447a607c" xmlns:ns3="8e67869f-b319-4f8e-812d-d2b9322169ce" targetNamespace="http://schemas.microsoft.com/office/2006/metadata/properties" ma:root="true" ma:fieldsID="abf99e3026b4072fe3426938b59b700a" ns2:_="" ns3:_="">
     <xsd:import namespace="a9a9e2ba-2d19-46fe-bf54-0255447a607c"/>
@@ -15014,32 +14995,22 @@
 </ct:contentTypeSchema>
 </file>
 
-<file path=customXml/itemProps1.xml><?xml version="1.0" encoding="utf-8"?>
-<ds:datastoreItem xmlns:ds="http://schemas.openxmlformats.org/officeDocument/2006/customXml" ds:itemID="{D1B4FFAB-A2D9-4FD5-855F-F65126373F7D}">
-  <ds:schemaRefs>
-    <ds:schemaRef ds:uri="http://schemas.openxmlformats.org/package/2006/metadata/core-properties"/>
-    <ds:schemaRef ds:uri="http://schemas.microsoft.com/office/2006/documentManagement/types"/>
-    <ds:schemaRef ds:uri="http://schemas.microsoft.com/office/infopath/2007/PartnerControls"/>
-    <ds:schemaRef ds:uri="http://purl.org/dc/elements/1.1/"/>
-    <ds:schemaRef ds:uri="http://schemas.microsoft.com/office/2006/metadata/properties"/>
-    <ds:schemaRef ds:uri="8e67869f-b319-4f8e-812d-d2b9322169ce"/>
-    <ds:schemaRef ds:uri="http://purl.org/dc/terms/"/>
-    <ds:schemaRef ds:uri="a9a9e2ba-2d19-46fe-bf54-0255447a607c"/>
-    <ds:schemaRef ds:uri="http://www.w3.org/XML/1998/namespace"/>
-    <ds:schemaRef ds:uri="http://purl.org/dc/dcmitype/"/>
-  </ds:schemaRefs>
-</ds:datastoreItem>
+<file path=customXml/item2.xml><?xml version="1.0" encoding="utf-8"?>
+<?mso-contentType ?>
+<FormTemplates xmlns="http://schemas.microsoft.com/sharepoint/v3/contenttype/forms">
+  <Display>DocumentLibraryForm</Display>
+  <Edit>DocumentLibraryForm</Edit>
+  <New>DocumentLibraryForm</New>
+</FormTemplates>
 </file>
 
-<file path=customXml/itemProps2.xml><?xml version="1.0" encoding="utf-8"?>
-<ds:datastoreItem xmlns:ds="http://schemas.openxmlformats.org/officeDocument/2006/customXml" ds:itemID="{4A9C8777-C6EC-4528-A529-B1E15BCDF7A3}">
-  <ds:schemaRefs>
-    <ds:schemaRef ds:uri="http://schemas.microsoft.com/sharepoint/v3/contenttype/forms"/>
-  </ds:schemaRefs>
-</ds:datastoreItem>
+<file path=customXml/item3.xml><?xml version="1.0" encoding="utf-8"?>
+<p:properties xmlns:p="http://schemas.microsoft.com/office/2006/metadata/properties" xmlns:xsi="http://www.w3.org/2001/XMLSchema-instance" xmlns:pc="http://schemas.microsoft.com/office/infopath/2007/PartnerControls">
+  <documentManagement/>
+</p:properties>
 </file>
 
-<file path=customXml/itemProps3.xml><?xml version="1.0" encoding="utf-8"?>
+<file path=customXml/itemProps1.xml><?xml version="1.0" encoding="utf-8"?>
 <ds:datastoreItem xmlns:ds="http://schemas.openxmlformats.org/officeDocument/2006/customXml" ds:itemID="{91B57E6C-04A0-4EB4-9DC4-971645A5D1A1}">
   <ds:schemaRefs>
     <ds:schemaRef ds:uri="http://schemas.microsoft.com/office/2006/metadata/contentType"/>
@@ -15056,4 +15027,29 @@
     <ds:schemaRef ds:uri="http://schemas.microsoft.com/internal/obd"/>
   </ds:schemaRefs>
 </ds:datastoreItem>
+</file>
+
+<file path=customXml/itemProps2.xml><?xml version="1.0" encoding="utf-8"?>
+<ds:datastoreItem xmlns:ds="http://schemas.openxmlformats.org/officeDocument/2006/customXml" ds:itemID="{4A9C8777-C6EC-4528-A529-B1E15BCDF7A3}">
+  <ds:schemaRefs>
+    <ds:schemaRef ds:uri="http://schemas.microsoft.com/sharepoint/v3/contenttype/forms"/>
+  </ds:schemaRefs>
+</ds:datastoreItem>
+</file>
+
+<file path=customXml/itemProps3.xml><?xml version="1.0" encoding="utf-8"?>
+<ds:datastoreItem xmlns:ds="http://schemas.openxmlformats.org/officeDocument/2006/customXml" ds:itemID="{D1B4FFAB-A2D9-4FD5-855F-F65126373F7D}">
+  <ds:schemaRefs>
+    <ds:schemaRef ds:uri="http://schemas.openxmlformats.org/package/2006/metadata/core-properties"/>
+    <ds:schemaRef ds:uri="http://schemas.microsoft.com/office/2006/documentManagement/types"/>
+    <ds:schemaRef ds:uri="http://schemas.microsoft.com/office/infopath/2007/PartnerControls"/>
+    <ds:schemaRef ds:uri="http://purl.org/dc/elements/1.1/"/>
+    <ds:schemaRef ds:uri="http://schemas.microsoft.com/office/2006/metadata/properties"/>
+    <ds:schemaRef ds:uri="8e67869f-b319-4f8e-812d-d2b9322169ce"/>
+    <ds:schemaRef ds:uri="http://purl.org/dc/terms/"/>
+    <ds:schemaRef ds:uri="a9a9e2ba-2d19-46fe-bf54-0255447a607c"/>
+    <ds:schemaRef ds:uri="http://www.w3.org/XML/1998/namespace"/>
+    <ds:schemaRef ds:uri="http://purl.org/dc/dcmitype/"/>
+  </ds:schemaRefs>
+</ds:datastoreItem>
 </file>
--- a/presentations/word-embeddings.pptx
+++ b/presentations/word-embeddings.pptx
@@ -5,18 +5,20 @@
     <p:sldMasterId id="2147483660" r:id="rId4"/>
   </p:sldMasterIdLst>
   <p:notesMasterIdLst>
-    <p:notesMasterId r:id="rId14"/>
+    <p:notesMasterId r:id="rId16"/>
   </p:notesMasterIdLst>
   <p:sldIdLst>
     <p:sldId id="311" r:id="rId5"/>
-    <p:sldId id="321" r:id="rId6"/>
-    <p:sldId id="319" r:id="rId7"/>
-    <p:sldId id="315" r:id="rId8"/>
-    <p:sldId id="313" r:id="rId9"/>
-    <p:sldId id="314" r:id="rId10"/>
-    <p:sldId id="316" r:id="rId11"/>
-    <p:sldId id="317" r:id="rId12"/>
-    <p:sldId id="303" r:id="rId13"/>
+    <p:sldId id="315" r:id="rId6"/>
+    <p:sldId id="313" r:id="rId7"/>
+    <p:sldId id="314" r:id="rId8"/>
+    <p:sldId id="324" r:id="rId9"/>
+    <p:sldId id="322" r:id="rId10"/>
+    <p:sldId id="323" r:id="rId11"/>
+    <p:sldId id="325" r:id="rId12"/>
+    <p:sldId id="316" r:id="rId13"/>
+    <p:sldId id="317" r:id="rId14"/>
+    <p:sldId id="303" r:id="rId15"/>
   </p:sldIdLst>
   <p:sldSz cx="12192000" cy="6858000"/>
   <p:notesSz cx="6858000" cy="9144000"/>
@@ -121,11 +123,13 @@
         <p14:section name="Default Section" id="{D06DE9B2-5587-B646-BEE3-5A646955262F}">
           <p14:sldIdLst>
             <p14:sldId id="311"/>
-            <p14:sldId id="321"/>
-            <p14:sldId id="319"/>
             <p14:sldId id="315"/>
             <p14:sldId id="313"/>
             <p14:sldId id="314"/>
+            <p14:sldId id="324"/>
+            <p14:sldId id="322"/>
+            <p14:sldId id="323"/>
+            <p14:sldId id="325"/>
             <p14:sldId id="316"/>
             <p14:sldId id="317"/>
             <p14:sldId id="303"/>
@@ -238,7 +242,7 @@
           <a:p>
             <a:fld id="{06220CBB-D972-D444-8592-B23A7758CEF7}" type="datetimeFigureOut">
               <a:rPr lang="en-US" smtClean="0"/>
-              <a:t>1/18/26</a:t>
+              <a:t>1/20/26</a:t>
             </a:fld>
             <a:endParaRPr lang="en-US"/>
           </a:p>
@@ -655,7 +659,7 @@
           <a:p>
             <a:fld id="{9C3B49CD-7E1B-C543-B23F-34FDB672E370}" type="slidenum">
               <a:rPr lang="en-US" smtClean="0"/>
-              <a:t>9</a:t>
+              <a:t>11</a:t>
             </a:fld>
             <a:endParaRPr lang="en-US"/>
           </a:p>
@@ -1438,7 +1442,7 @@
             <a:fld id="{46D46D31-4F81-C84C-9C9E-CC304FB2B6EB}" type="datetimeFigureOut">
               <a:rPr lang="en-US" smtClean="0"/>
               <a:pPr/>
-              <a:t>1/18/26</a:t>
+              <a:t>1/20/26</a:t>
             </a:fld>
             <a:endParaRPr lang="en-US" dirty="0"/>
           </a:p>
@@ -2163,7 +2167,7 @@
             <a:fld id="{46D46D31-4F81-C84C-9C9E-CC304FB2B6EB}" type="datetimeFigureOut">
               <a:rPr lang="en-US" smtClean="0"/>
               <a:pPr/>
-              <a:t>1/18/26</a:t>
+              <a:t>1/20/26</a:t>
             </a:fld>
             <a:endParaRPr lang="en-US" dirty="0"/>
           </a:p>
@@ -2853,7 +2857,7 @@
             <a:fld id="{46D46D31-4F81-C84C-9C9E-CC304FB2B6EB}" type="datetimeFigureOut">
               <a:rPr lang="en-US" smtClean="0"/>
               <a:pPr/>
-              <a:t>1/18/26</a:t>
+              <a:t>1/20/26</a:t>
             </a:fld>
             <a:endParaRPr lang="en-US" dirty="0"/>
           </a:p>
@@ -3414,7 +3418,7 @@
             <a:fld id="{46D46D31-4F81-C84C-9C9E-CC304FB2B6EB}" type="datetimeFigureOut">
               <a:rPr lang="en-US" smtClean="0"/>
               <a:pPr/>
-              <a:t>1/18/26</a:t>
+              <a:t>1/20/26</a:t>
             </a:fld>
             <a:endParaRPr lang="en-US" dirty="0"/>
           </a:p>
@@ -4027,7 +4031,7 @@
             <a:fld id="{46D46D31-4F81-C84C-9C9E-CC304FB2B6EB}" type="datetimeFigureOut">
               <a:rPr lang="en-US" smtClean="0"/>
               <a:pPr/>
-              <a:t>1/18/26</a:t>
+              <a:t>1/20/26</a:t>
             </a:fld>
             <a:endParaRPr lang="en-US" dirty="0"/>
           </a:p>
@@ -4655,7 +4659,7 @@
             <a:fld id="{46D46D31-4F81-C84C-9C9E-CC304FB2B6EB}" type="datetimeFigureOut">
               <a:rPr lang="en-US" smtClean="0"/>
               <a:pPr/>
-              <a:t>1/18/26</a:t>
+              <a:t>1/20/26</a:t>
             </a:fld>
             <a:endParaRPr lang="en-US" dirty="0"/>
           </a:p>
@@ -5269,7 +5273,7 @@
             <a:fld id="{46D46D31-4F81-C84C-9C9E-CC304FB2B6EB}" type="datetimeFigureOut">
               <a:rPr lang="en-US" smtClean="0"/>
               <a:pPr/>
-              <a:t>1/18/26</a:t>
+              <a:t>1/20/26</a:t>
             </a:fld>
             <a:endParaRPr lang="en-US" dirty="0"/>
           </a:p>
@@ -5769,7 +5773,7 @@
             <a:fld id="{46D46D31-4F81-C84C-9C9E-CC304FB2B6EB}" type="datetimeFigureOut">
               <a:rPr lang="en-US" smtClean="0"/>
               <a:pPr/>
-              <a:t>1/18/26</a:t>
+              <a:t>1/20/26</a:t>
             </a:fld>
             <a:endParaRPr lang="en-US" dirty="0"/>
           </a:p>
@@ -6488,7 +6492,7 @@
             <a:fld id="{46D46D31-4F81-C84C-9C9E-CC304FB2B6EB}" type="datetimeFigureOut">
               <a:rPr lang="en-US" smtClean="0"/>
               <a:pPr/>
-              <a:t>1/18/26</a:t>
+              <a:t>1/20/26</a:t>
             </a:fld>
             <a:endParaRPr lang="en-US" dirty="0"/>
           </a:p>
@@ -7644,7 +7648,7 @@
             <a:fld id="{46D46D31-4F81-C84C-9C9E-CC304FB2B6EB}" type="datetimeFigureOut">
               <a:rPr lang="en-US" smtClean="0"/>
               <a:pPr/>
-              <a:t>1/18/26</a:t>
+              <a:t>1/20/26</a:t>
             </a:fld>
             <a:endParaRPr lang="en-US" dirty="0"/>
           </a:p>
@@ -9575,7 +9579,7 @@
           <a:p>
             <a:fld id="{51054624-0223-5041-BD13-AE5BA7BAECFD}" type="datetimeFigureOut">
               <a:rPr lang="en-GB" smtClean="0"/>
-              <a:t>18/01/2026</a:t>
+              <a:t>20/01/2026</a:t>
             </a:fld>
             <a:endParaRPr lang="en-GB"/>
           </a:p>
@@ -12944,6 +12948,253 @@
 </p:sld>
 </file>
 
+<file path=ppt/slides/slide10.xml><?xml version="1.0" encoding="utf-8"?>
+<p:sld xmlns:a="http://schemas.openxmlformats.org/drawingml/2006/main" xmlns:r="http://schemas.openxmlformats.org/officeDocument/2006/relationships" xmlns:p="http://schemas.openxmlformats.org/presentationml/2006/main">
+  <p:cSld>
+    <p:spTree>
+      <p:nvGrpSpPr>
+        <p:cNvPr id="1" name=""/>
+        <p:cNvGrpSpPr/>
+        <p:nvPr/>
+      </p:nvGrpSpPr>
+      <p:grpSpPr>
+        <a:xfrm>
+          <a:off x="0" y="0"/>
+          <a:ext cx="0" cy="0"/>
+          <a:chOff x="0" y="0"/>
+          <a:chExt cx="0" cy="0"/>
+        </a:xfrm>
+      </p:grpSpPr>
+      <p:sp>
+        <p:nvSpPr>
+          <p:cNvPr id="2" name="Title 1">
+            <a:extLst>
+              <a:ext uri="{FF2B5EF4-FFF2-40B4-BE49-F238E27FC236}">
+                <a16:creationId xmlns:a16="http://schemas.microsoft.com/office/drawing/2014/main" id="{2032C016-0890-6528-736B-9BB28DDCC256}"/>
+              </a:ext>
+            </a:extLst>
+          </p:cNvPr>
+          <p:cNvSpPr>
+            <a:spLocks noGrp="1"/>
+          </p:cNvSpPr>
+          <p:nvPr>
+            <p:ph type="title"/>
+          </p:nvPr>
+        </p:nvSpPr>
+        <p:spPr/>
+        <p:txBody>
+          <a:bodyPr/>
+          <a:lstStyle/>
+          <a:p>
+            <a:r>
+              <a:rPr lang="en-US" dirty="0" err="1"/>
+              <a:t>Visualisation</a:t>
+            </a:r>
+            <a:endParaRPr lang="en-US" dirty="0"/>
+          </a:p>
+        </p:txBody>
+      </p:sp>
+      <p:pic>
+        <p:nvPicPr>
+          <p:cNvPr id="4" name="Picture 3">
+            <a:extLst>
+              <a:ext uri="{FF2B5EF4-FFF2-40B4-BE49-F238E27FC236}">
+                <a16:creationId xmlns:a16="http://schemas.microsoft.com/office/drawing/2014/main" id="{65A26086-B0FD-A15F-3D0D-063D95AB125C}"/>
+              </a:ext>
+            </a:extLst>
+          </p:cNvPr>
+          <p:cNvPicPr>
+            <a:picLocks noChangeAspect="1"/>
+          </p:cNvPicPr>
+          <p:nvPr/>
+        </p:nvPicPr>
+        <p:blipFill>
+          <a:blip r:embed="rId2"/>
+          <a:stretch>
+            <a:fillRect/>
+          </a:stretch>
+        </p:blipFill>
+        <p:spPr>
+          <a:xfrm>
+            <a:off x="480000" y="1147395"/>
+            <a:ext cx="8168104" cy="4678973"/>
+          </a:xfrm>
+          <a:prstGeom prst="rect">
+            <a:avLst/>
+          </a:prstGeom>
+        </p:spPr>
+      </p:pic>
+      <p:sp>
+        <p:nvSpPr>
+          <p:cNvPr id="5" name="TextBox 4">
+            <a:extLst>
+              <a:ext uri="{FF2B5EF4-FFF2-40B4-BE49-F238E27FC236}">
+                <a16:creationId xmlns:a16="http://schemas.microsoft.com/office/drawing/2014/main" id="{73F35F5B-D7FE-04AB-7E4C-FC719652F716}"/>
+              </a:ext>
+            </a:extLst>
+          </p:cNvPr>
+          <p:cNvSpPr txBox="1"/>
+          <p:nvPr/>
+        </p:nvSpPr>
+        <p:spPr>
+          <a:xfrm>
+            <a:off x="480000" y="6126542"/>
+            <a:ext cx="5965864" cy="369332"/>
+          </a:xfrm>
+          <a:prstGeom prst="rect">
+            <a:avLst/>
+          </a:prstGeom>
+          <a:noFill/>
+        </p:spPr>
+        <p:txBody>
+          <a:bodyPr wrap="none" rtlCol="0">
+            <a:spAutoFit/>
+          </a:bodyPr>
+          <a:lstStyle/>
+          <a:p>
+            <a:r>
+              <a:rPr lang="en-US" i="1" dirty="0"/>
+              <a:t>2D projection from </a:t>
+            </a:r>
+            <a:r>
+              <a:rPr lang="en-US" i="1" dirty="0" err="1"/>
+              <a:t>Mikolov</a:t>
+            </a:r>
+            <a:r>
+              <a:rPr lang="en-US" i="1" dirty="0"/>
+              <a:t> et al, Google Research, NIPS 2013</a:t>
+            </a:r>
+          </a:p>
+        </p:txBody>
+      </p:sp>
+    </p:spTree>
+    <p:extLst>
+      <p:ext uri="{BB962C8B-B14F-4D97-AF65-F5344CB8AC3E}">
+        <p14:creationId xmlns:p14="http://schemas.microsoft.com/office/powerpoint/2010/main" val="3736118193"/>
+      </p:ext>
+    </p:extLst>
+  </p:cSld>
+  <p:clrMapOvr>
+    <a:masterClrMapping/>
+  </p:clrMapOvr>
+  <p:transition>
+    <p:fade/>
+  </p:transition>
+</p:sld>
+</file>
+
+<file path=ppt/slides/slide11.xml><?xml version="1.0" encoding="utf-8"?>
+<p:sld xmlns:a="http://schemas.openxmlformats.org/drawingml/2006/main" xmlns:r="http://schemas.openxmlformats.org/officeDocument/2006/relationships" xmlns:p="http://schemas.openxmlformats.org/presentationml/2006/main">
+  <p:cSld>
+    <p:spTree>
+      <p:nvGrpSpPr>
+        <p:cNvPr id="1" name=""/>
+        <p:cNvGrpSpPr/>
+        <p:nvPr/>
+      </p:nvGrpSpPr>
+      <p:grpSpPr>
+        <a:xfrm>
+          <a:off x="0" y="0"/>
+          <a:ext cx="0" cy="0"/>
+          <a:chOff x="0" y="0"/>
+          <a:chExt cx="0" cy="0"/>
+        </a:xfrm>
+      </p:grpSpPr>
+      <p:sp>
+        <p:nvSpPr>
+          <p:cNvPr id="3" name="Title 2">
+            <a:extLst>
+              <a:ext uri="{FF2B5EF4-FFF2-40B4-BE49-F238E27FC236}">
+                <a16:creationId xmlns:a16="http://schemas.microsoft.com/office/drawing/2014/main" id="{EFBB7BBB-BDEE-0645-B9B4-BC16FFC45233}"/>
+              </a:ext>
+            </a:extLst>
+          </p:cNvPr>
+          <p:cNvSpPr>
+            <a:spLocks noGrp="1"/>
+          </p:cNvSpPr>
+          <p:nvPr>
+            <p:ph type="ctrTitle"/>
+          </p:nvPr>
+        </p:nvSpPr>
+        <p:spPr/>
+        <p:txBody>
+          <a:bodyPr/>
+          <a:lstStyle/>
+          <a:p>
+            <a:r>
+              <a:rPr lang="en-US" dirty="0"/>
+              <a:t>Thank you</a:t>
+            </a:r>
+          </a:p>
+        </p:txBody>
+      </p:sp>
+      <p:sp>
+        <p:nvSpPr>
+          <p:cNvPr id="2" name="Text Placeholder 1">
+            <a:extLst>
+              <a:ext uri="{FF2B5EF4-FFF2-40B4-BE49-F238E27FC236}">
+                <a16:creationId xmlns:a16="http://schemas.microsoft.com/office/drawing/2014/main" id="{AE695B9B-A7BB-114B-9B0A-D884141025B8}"/>
+              </a:ext>
+            </a:extLst>
+          </p:cNvPr>
+          <p:cNvSpPr>
+            <a:spLocks noGrp="1"/>
+          </p:cNvSpPr>
+          <p:nvPr>
+            <p:ph type="body" sz="quarter" idx="10"/>
+          </p:nvPr>
+        </p:nvSpPr>
+        <p:spPr/>
+        <p:txBody>
+          <a:bodyPr/>
+          <a:lstStyle/>
+          <a:p>
+            <a:br>
+              <a:rPr lang="en-GB" dirty="0"/>
+            </a:br>
+            <a:r>
+              <a:rPr lang="en-GB" dirty="0" err="1"/>
+              <a:t>angus.roberts@kcl.ac.uk</a:t>
+            </a:r>
+            <a:br>
+              <a:rPr lang="en-GB" dirty="0"/>
+            </a:br>
+            <a:r>
+              <a:rPr lang="en-GB" dirty="0"/>
+              <a:t>https://</a:t>
+            </a:r>
+            <a:r>
+              <a:rPr lang="en-GB" dirty="0" err="1"/>
+              <a:t>www.kcl.ac.uk</a:t>
+            </a:r>
+            <a:r>
+              <a:rPr lang="en-GB" dirty="0"/>
+              <a:t>/people/angus-</a:t>
+            </a:r>
+            <a:r>
+              <a:rPr lang="en-GB" dirty="0" err="1"/>
+              <a:t>roberts</a:t>
+            </a:r>
+            <a:endParaRPr lang="en-US" dirty="0"/>
+          </a:p>
+        </p:txBody>
+      </p:sp>
+    </p:spTree>
+    <p:extLst>
+      <p:ext uri="{BB962C8B-B14F-4D97-AF65-F5344CB8AC3E}">
+        <p14:creationId xmlns:p14="http://schemas.microsoft.com/office/powerpoint/2010/main" val="4152590368"/>
+      </p:ext>
+    </p:extLst>
+  </p:cSld>
+  <p:clrMapOvr>
+    <a:masterClrMapping/>
+  </p:clrMapOvr>
+  <p:transition>
+    <p:fade/>
+  </p:transition>
+</p:sld>
+</file>
+
 <file path=ppt/slides/slide2.xml><?xml version="1.0" encoding="utf-8"?>
 <p:sld xmlns:a="http://schemas.openxmlformats.org/drawingml/2006/main" xmlns:r="http://schemas.openxmlformats.org/officeDocument/2006/relationships" xmlns:p="http://schemas.openxmlformats.org/presentationml/2006/main">
   <p:cSld>
@@ -12966,7 +13217,7 @@
           <p:cNvPr id="2" name="Title 1">
             <a:extLst>
               <a:ext uri="{FF2B5EF4-FFF2-40B4-BE49-F238E27FC236}">
-                <a16:creationId xmlns:a16="http://schemas.microsoft.com/office/drawing/2014/main" id="{C840DA5A-14E6-B704-E1B8-D0290638C677}"/>
+                <a16:creationId xmlns:a16="http://schemas.microsoft.com/office/drawing/2014/main" id="{C346F371-5D5B-3EAC-7034-787767A5B5B3}"/>
               </a:ext>
             </a:extLst>
           </p:cNvPr>
@@ -12984,203 +13235,168 @@
           <a:p>
             <a:r>
               <a:rPr lang="en-US" dirty="0"/>
-              <a:t>Representing words as vectors</a:t>
+              <a:t>Representing a word as a vector of real numbers</a:t>
+            </a:r>
+          </a:p>
+        </p:txBody>
+      </p:sp>
+      <p:pic>
+        <p:nvPicPr>
+          <p:cNvPr id="3" name="Picture 2">
+            <a:extLst>
+              <a:ext uri="{FF2B5EF4-FFF2-40B4-BE49-F238E27FC236}">
+                <a16:creationId xmlns:a16="http://schemas.microsoft.com/office/drawing/2014/main" id="{5F7D73FC-B30C-5B92-F61C-38C34FA604C5}"/>
+              </a:ext>
+            </a:extLst>
+          </p:cNvPr>
+          <p:cNvPicPr>
+            <a:picLocks noChangeAspect="1"/>
+          </p:cNvPicPr>
+          <p:nvPr/>
+        </p:nvPicPr>
+        <p:blipFill>
+          <a:blip r:embed="rId2"/>
+          <a:stretch>
+            <a:fillRect/>
+          </a:stretch>
+        </p:blipFill>
+        <p:spPr>
+          <a:xfrm>
+            <a:off x="480000" y="3051113"/>
+            <a:ext cx="11043725" cy="1618891"/>
+          </a:xfrm>
+          <a:prstGeom prst="rect">
+            <a:avLst/>
+          </a:prstGeom>
+        </p:spPr>
+      </p:pic>
+      <p:sp>
+        <p:nvSpPr>
+          <p:cNvPr id="4" name="TextBox 3">
+            <a:extLst>
+              <a:ext uri="{FF2B5EF4-FFF2-40B4-BE49-F238E27FC236}">
+                <a16:creationId xmlns:a16="http://schemas.microsoft.com/office/drawing/2014/main" id="{2C3EDB5E-F5FD-3099-4FFB-616D37763870}"/>
+              </a:ext>
+            </a:extLst>
+          </p:cNvPr>
+          <p:cNvSpPr txBox="1"/>
+          <p:nvPr/>
+        </p:nvSpPr>
+        <p:spPr>
+          <a:xfrm>
+            <a:off x="568568" y="5298831"/>
+            <a:ext cx="5244449" cy="646331"/>
+          </a:xfrm>
+          <a:prstGeom prst="rect">
+            <a:avLst/>
+          </a:prstGeom>
+          <a:noFill/>
+        </p:spPr>
+        <p:txBody>
+          <a:bodyPr wrap="none" rtlCol="0">
+            <a:spAutoFit/>
+          </a:bodyPr>
+          <a:lstStyle/>
+          <a:p>
+            <a:r>
+              <a:rPr lang="en-US" i="1" dirty="0"/>
+              <a:t>Example from Jay </a:t>
+            </a:r>
+            <a:r>
+              <a:rPr lang="en-US" i="1" dirty="0" err="1"/>
+              <a:t>Alammar</a:t>
+            </a:r>
+            <a:r>
+              <a:rPr lang="en-US" i="1" dirty="0"/>
+              <a:t>, The illustrated Word2Vec:</a:t>
+            </a:r>
+          </a:p>
+          <a:p>
+            <a:r>
+              <a:rPr lang="en-US" i="1" dirty="0"/>
+              <a:t>https://</a:t>
+            </a:r>
+            <a:r>
+              <a:rPr lang="en-US" i="1" dirty="0" err="1"/>
+              <a:t>jalammar.github.io</a:t>
+            </a:r>
+            <a:r>
+              <a:rPr lang="en-US" i="1" dirty="0"/>
+              <a:t>/illustrated-word2vec/</a:t>
             </a:r>
           </a:p>
         </p:txBody>
       </p:sp>
       <p:sp>
         <p:nvSpPr>
-          <p:cNvPr id="3" name="Content Placeholder 2">
+          <p:cNvPr id="5" name="TextBox 4">
             <a:extLst>
               <a:ext uri="{FF2B5EF4-FFF2-40B4-BE49-F238E27FC236}">
-                <a16:creationId xmlns:a16="http://schemas.microsoft.com/office/drawing/2014/main" id="{0E78FC37-F3E8-95EE-3243-A9170A188394}"/>
+                <a16:creationId xmlns:a16="http://schemas.microsoft.com/office/drawing/2014/main" id="{304EEE71-9EDD-17A2-C4FB-019C291BA7F3}"/>
               </a:ext>
             </a:extLst>
           </p:cNvPr>
-          <p:cNvSpPr>
-            <a:spLocks noGrp="1"/>
-          </p:cNvSpPr>
-          <p:nvPr>
-            <p:ph idx="1"/>
-          </p:nvPr>
+          <p:cNvSpPr txBox="1"/>
+          <p:nvPr/>
         </p:nvSpPr>
-        <p:spPr/>
+        <p:spPr>
+          <a:xfrm>
+            <a:off x="480000" y="1250948"/>
+            <a:ext cx="11082265" cy="1569660"/>
+          </a:xfrm>
+          <a:prstGeom prst="rect">
+            <a:avLst/>
+          </a:prstGeom>
+          <a:noFill/>
+        </p:spPr>
         <p:txBody>
-          <a:bodyPr>
-            <a:normAutofit fontScale="92500" lnSpcReduction="10000"/>
+          <a:bodyPr wrap="none" rtlCol="0">
+            <a:spAutoFit/>
           </a:bodyPr>
           <a:lstStyle/>
           <a:p>
-            <a:r>
-              <a:rPr lang="en-US" dirty="0"/>
-              <a:t>We need to pass numbers to our NLP models</a:t>
-            </a:r>
-          </a:p>
-          <a:p>
-            <a:r>
-              <a:rPr lang="en-US" dirty="0"/>
-              <a:t>One-hot is a simple word-space vector representation. Words are represented by a vector encoding their position in an ordered vocabulary</a:t>
-            </a:r>
-          </a:p>
-          <a:p>
-            <a:pPr marL="268714" lvl="3" indent="0">
-              <a:buNone/>
+            <a:pPr marL="342900" indent="-342900">
+              <a:buFont typeface="Arial" panose="020B0604020202020204" pitchFamily="34" charset="0"/>
+              <a:buChar char="•"/>
             </a:pPr>
             <a:r>
-              <a:rPr lang="en-US" dirty="0">
-                <a:latin typeface="Courier New" panose="02070309020205020404" pitchFamily="49" charset="0"/>
-                <a:cs typeface="Courier New" panose="02070309020205020404" pitchFamily="49" charset="0"/>
-              </a:rPr>
-              <a:t>		aardvark			[1, 0, 0, 0, 0, …, 0, 0]</a:t>
-            </a:r>
-          </a:p>
-          <a:p>
-            <a:pPr marL="268714" lvl="3" indent="0">
-              <a:buNone/>
+              <a:rPr lang="en-US" sz="2400" dirty="0"/>
+              <a:t>Can we improve on our simple word vectors?</a:t>
+            </a:r>
+          </a:p>
+          <a:p>
+            <a:pPr marL="342900" indent="-342900">
+              <a:buFont typeface="Arial" panose="020B0604020202020204" pitchFamily="34" charset="0"/>
+              <a:buChar char="•"/>
             </a:pPr>
             <a:r>
-              <a:rPr lang="en-US" dirty="0">
-                <a:latin typeface="Courier New" panose="02070309020205020404" pitchFamily="49" charset="0"/>
-                <a:cs typeface="Courier New" panose="02070309020205020404" pitchFamily="49" charset="0"/>
-              </a:rPr>
-              <a:t>		abacus				[0, 1, 0, 0, 0, …, 0, 0]</a:t>
-            </a:r>
-          </a:p>
-          <a:p>
-            <a:pPr marL="268714" lvl="3" indent="0">
-              <a:buNone/>
+              <a:rPr lang="en-US" sz="2400" dirty="0"/>
+              <a:t>Can we use such a model to encode meaning?</a:t>
+            </a:r>
+          </a:p>
+          <a:p>
+            <a:pPr marL="342900" indent="-342900">
+              <a:buFont typeface="Arial" panose="020B0604020202020204" pitchFamily="34" charset="0"/>
+              <a:buChar char="•"/>
             </a:pPr>
-            <a:r>
-              <a:rPr lang="en-US" dirty="0">
-                <a:latin typeface="Courier New" panose="02070309020205020404" pitchFamily="49" charset="0"/>
-                <a:cs typeface="Courier New" panose="02070309020205020404" pitchFamily="49" charset="0"/>
-              </a:rPr>
-              <a:t>		...					[...]</a:t>
-            </a:r>
-          </a:p>
-          <a:p>
-            <a:pPr marL="268714" lvl="3" indent="0">
-              <a:buNone/>
+            <a:endParaRPr lang="en-US" sz="2400" dirty="0"/>
+          </a:p>
+          <a:p>
+            <a:pPr marL="342900" indent="-342900">
+              <a:buFont typeface="Arial" panose="020B0604020202020204" pitchFamily="34" charset="0"/>
+              <a:buChar char="•"/>
             </a:pPr>
             <a:r>
-              <a:rPr lang="en-US" dirty="0">
-                <a:latin typeface="Courier New" panose="02070309020205020404" pitchFamily="49" charset="0"/>
-                <a:cs typeface="Courier New" panose="02070309020205020404" pitchFamily="49" charset="0"/>
-              </a:rPr>
-              <a:t>		</a:t>
-            </a:r>
-            <a:r>
-              <a:rPr lang="en-US" dirty="0" err="1">
-                <a:latin typeface="Courier New" panose="02070309020205020404" pitchFamily="49" charset="0"/>
-                <a:cs typeface="Courier New" panose="02070309020205020404" pitchFamily="49" charset="0"/>
-              </a:rPr>
-              <a:t>zumba</a:t>
-            </a:r>
-            <a:r>
-              <a:rPr lang="en-US" dirty="0">
-                <a:latin typeface="Courier New" panose="02070309020205020404" pitchFamily="49" charset="0"/>
-                <a:cs typeface="Courier New" panose="02070309020205020404" pitchFamily="49" charset="0"/>
-              </a:rPr>
-              <a:t>				[0, 0, 0, 0, 0, …, 1, 0]</a:t>
-            </a:r>
-          </a:p>
-          <a:p>
-            <a:pPr marL="268714" lvl="3" indent="0">
-              <a:buNone/>
-            </a:pPr>
-            <a:r>
-              <a:rPr lang="en-US" dirty="0">
-                <a:latin typeface="Courier New" panose="02070309020205020404" pitchFamily="49" charset="0"/>
-                <a:cs typeface="Courier New" panose="02070309020205020404" pitchFamily="49" charset="0"/>
-              </a:rPr>
-              <a:t>		zygote				[0, 0, 0, 0, 0, …, 0, 1]</a:t>
-            </a:r>
-          </a:p>
-          <a:p>
-            <a:r>
-              <a:rPr lang="en-US" dirty="0"/>
-              <a:t>As well as being necessary to represent our words numerically, it is also a step along the path of finding some abstraction of word meaning</a:t>
-            </a:r>
-          </a:p>
-          <a:p>
-            <a:r>
-              <a:rPr lang="en-US" dirty="0"/>
-              <a:t>Alternatively, we could encode as the integer position in the vocabulary</a:t>
-            </a:r>
-          </a:p>
-          <a:p>
-            <a:pPr marL="268714" lvl="3" indent="0">
-              <a:buNone/>
-            </a:pPr>
-            <a:r>
-              <a:rPr lang="en-US" dirty="0">
-                <a:latin typeface="Courier New" panose="02070309020205020404" pitchFamily="49" charset="0"/>
-                <a:cs typeface="Courier New" panose="02070309020205020404" pitchFamily="49" charset="0"/>
-              </a:rPr>
-              <a:t>		aardvark			0</a:t>
-            </a:r>
-          </a:p>
-          <a:p>
-            <a:pPr marL="0" indent="0">
-              <a:buNone/>
-            </a:pPr>
-            <a:r>
-              <a:rPr lang="en-US" dirty="0">
-                <a:latin typeface="Courier New" panose="02070309020205020404" pitchFamily="49" charset="0"/>
-                <a:cs typeface="Courier New" panose="02070309020205020404" pitchFamily="49" charset="0"/>
-              </a:rPr>
-              <a:t>		abacus				1</a:t>
-            </a:r>
-          </a:p>
-          <a:p>
-            <a:pPr marL="0" indent="0">
-              <a:buNone/>
-            </a:pPr>
-            <a:r>
-              <a:rPr lang="en-US" dirty="0">
-                <a:latin typeface="Courier New" panose="02070309020205020404" pitchFamily="49" charset="0"/>
-                <a:cs typeface="Courier New" panose="02070309020205020404" pitchFamily="49" charset="0"/>
-              </a:rPr>
-              <a:t>		...					...</a:t>
-            </a:r>
-          </a:p>
-          <a:p>
-            <a:pPr marL="0" indent="0">
-              <a:buNone/>
-            </a:pPr>
-            <a:r>
-              <a:rPr lang="en-US" dirty="0">
-                <a:latin typeface="Courier New" panose="02070309020205020404" pitchFamily="49" charset="0"/>
-                <a:cs typeface="Courier New" panose="02070309020205020404" pitchFamily="49" charset="0"/>
-              </a:rPr>
-              <a:t>		</a:t>
-            </a:r>
-            <a:r>
-              <a:rPr lang="en-US" dirty="0" err="1">
-                <a:latin typeface="Courier New" panose="02070309020205020404" pitchFamily="49" charset="0"/>
-                <a:cs typeface="Courier New" panose="02070309020205020404" pitchFamily="49" charset="0"/>
-              </a:rPr>
-              <a:t>zumba</a:t>
-            </a:r>
-            <a:r>
-              <a:rPr lang="en-US" dirty="0">
-                <a:latin typeface="Courier New" panose="02070309020205020404" pitchFamily="49" charset="0"/>
-                <a:cs typeface="Courier New" panose="02070309020205020404" pitchFamily="49" charset="0"/>
-              </a:rPr>
-              <a:t>				n-1</a:t>
-            </a:r>
-          </a:p>
-          <a:p>
-            <a:pPr marL="0" indent="0">
-              <a:buNone/>
-            </a:pPr>
-            <a:r>
-              <a:rPr lang="en-US" dirty="0">
-                <a:latin typeface="Courier New" panose="02070309020205020404" pitchFamily="49" charset="0"/>
-                <a:cs typeface="Courier New" panose="02070309020205020404" pitchFamily="49" charset="0"/>
-              </a:rPr>
-              <a:t>		zygote				n</a:t>
+              <a:rPr lang="en-US" sz="2400" dirty="0"/>
+              <a:t>Imagine this vector for the word “king”, (</a:t>
+            </a:r>
+            <a:r>
+              <a:rPr lang="en-US" sz="2400" dirty="0" err="1"/>
+              <a:t>GloVe</a:t>
+            </a:r>
+            <a:r>
+              <a:rPr lang="en-US" sz="2400" dirty="0"/>
+              <a:t> based vector, trained on Wikipedia):</a:t>
             </a:r>
           </a:p>
         </p:txBody>
@@ -13188,7 +13404,7 @@
     </p:spTree>
     <p:extLst>
       <p:ext uri="{BB962C8B-B14F-4D97-AF65-F5344CB8AC3E}">
-        <p14:creationId xmlns:p14="http://schemas.microsoft.com/office/powerpoint/2010/main" val="1430646209"/>
+        <p14:creationId xmlns:p14="http://schemas.microsoft.com/office/powerpoint/2010/main" val="3998252195"/>
       </p:ext>
     </p:extLst>
   </p:cSld>
@@ -13223,7 +13439,7 @@
           <p:cNvPr id="2" name="Title 1">
             <a:extLst>
               <a:ext uri="{FF2B5EF4-FFF2-40B4-BE49-F238E27FC236}">
-                <a16:creationId xmlns:a16="http://schemas.microsoft.com/office/drawing/2014/main" id="{353310D2-3AB5-847E-5BDE-725208274727}"/>
+                <a16:creationId xmlns:a16="http://schemas.microsoft.com/office/drawing/2014/main" id="{C346F371-5D5B-3EAC-7034-787767A5B5B3}"/>
               </a:ext>
             </a:extLst>
           </p:cNvPr>
@@ -13240,63 +13456,93 @@
           <a:lstStyle/>
           <a:p>
             <a:r>
+              <a:rPr lang="en-US" dirty="0" err="1"/>
+              <a:t>Visualising</a:t>
+            </a:r>
+            <a:r>
               <a:rPr lang="en-US" dirty="0"/>
-              <a:t>Representing words as vectors</a:t>
+              <a:t> a vector</a:t>
             </a:r>
           </a:p>
         </p:txBody>
       </p:sp>
-      <p:sp>
-        <p:nvSpPr>
-          <p:cNvPr id="3" name="Content Placeholder 2">
+      <p:pic>
+        <p:nvPicPr>
+          <p:cNvPr id="4" name="Picture 3">
             <a:extLst>
               <a:ext uri="{FF2B5EF4-FFF2-40B4-BE49-F238E27FC236}">
-                <a16:creationId xmlns:a16="http://schemas.microsoft.com/office/drawing/2014/main" id="{E09BE311-5199-9485-6F40-B17CA25F6C59}"/>
+                <a16:creationId xmlns:a16="http://schemas.microsoft.com/office/drawing/2014/main" id="{E8AA7DAA-FD06-E09D-ECF4-A3DA8B26942A}"/>
               </a:ext>
             </a:extLst>
           </p:cNvPr>
-          <p:cNvSpPr>
-            <a:spLocks noGrp="1"/>
-          </p:cNvSpPr>
-          <p:nvPr>
-            <p:ph idx="1"/>
-          </p:nvPr>
+          <p:cNvPicPr>
+            <a:picLocks noChangeAspect="1"/>
+          </p:cNvPicPr>
+          <p:nvPr/>
+        </p:nvPicPr>
+        <p:blipFill>
+          <a:blip r:embed="rId2"/>
+          <a:stretch>
+            <a:fillRect/>
+          </a:stretch>
+        </p:blipFill>
+        <p:spPr>
+          <a:xfrm>
+            <a:off x="474137" y="2097096"/>
+            <a:ext cx="11360618" cy="1666012"/>
+          </a:xfrm>
+          <a:prstGeom prst="rect">
+            <a:avLst/>
+          </a:prstGeom>
+        </p:spPr>
+      </p:pic>
+      <p:sp>
+        <p:nvSpPr>
+          <p:cNvPr id="5" name="TextBox 4">
+            <a:extLst>
+              <a:ext uri="{FF2B5EF4-FFF2-40B4-BE49-F238E27FC236}">
+                <a16:creationId xmlns:a16="http://schemas.microsoft.com/office/drawing/2014/main" id="{20FD8CA5-7236-1129-3ED8-CE5C10FF6D65}"/>
+              </a:ext>
+            </a:extLst>
+          </p:cNvPr>
+          <p:cNvSpPr txBox="1"/>
+          <p:nvPr/>
         </p:nvSpPr>
-        <p:spPr/>
+        <p:spPr>
+          <a:xfrm>
+            <a:off x="474138" y="1036882"/>
+            <a:ext cx="8271175" cy="461665"/>
+          </a:xfrm>
+          <a:prstGeom prst="rect">
+            <a:avLst/>
+          </a:prstGeom>
+          <a:noFill/>
+        </p:spPr>
         <p:txBody>
-          <a:bodyPr/>
+          <a:bodyPr wrap="none" rtlCol="0">
+            <a:spAutoFit/>
+          </a:bodyPr>
           <a:lstStyle/>
           <a:p>
             <a:r>
-              <a:rPr lang="en-US" dirty="0"/>
-              <a:t>Such a vector representation does not really encode meaning</a:t>
-            </a:r>
-          </a:p>
-          <a:p>
-            <a:r>
-              <a:rPr lang="en-US" dirty="0"/>
-              <a:t>It is also high dimensional and sparse</a:t>
-            </a:r>
-          </a:p>
-          <a:p>
-            <a:r>
-              <a:rPr lang="en-US" dirty="0"/>
-              <a:t>Can we encode meaning such a vector representation?</a:t>
-            </a:r>
-          </a:p>
-          <a:p>
-            <a:r>
-              <a:rPr lang="en-US" dirty="0"/>
-              <a:t>Can we derive a low dimensional model of words?</a:t>
-            </a:r>
-          </a:p>
-          <a:p>
-            <a:endParaRPr lang="en-US" dirty="0"/>
-          </a:p>
-          <a:p>
-            <a:r>
-              <a:rPr lang="en-US" dirty="0"/>
-              <a:t>What about the context vectors we have looked at? Would they be an improvement?</a:t>
+              <a:rPr lang="en-US" sz="2400" dirty="0"/>
+              <a:t>We can </a:t>
+            </a:r>
+            <a:r>
+              <a:rPr lang="en-US" sz="2400" dirty="0" err="1"/>
+              <a:t>visualise</a:t>
+            </a:r>
+            <a:r>
+              <a:rPr lang="en-US" sz="2400" dirty="0"/>
+              <a:t> this as bands of different </a:t>
+            </a:r>
+            <a:r>
+              <a:rPr lang="en-US" sz="2400" dirty="0" err="1"/>
+              <a:t>colours</a:t>
+            </a:r>
+            <a:r>
+              <a:rPr lang="en-US" sz="2400" dirty="0"/>
+              <a:t> and intensities:</a:t>
             </a:r>
           </a:p>
         </p:txBody>
@@ -13304,7 +13550,7 @@
     </p:spTree>
     <p:extLst>
       <p:ext uri="{BB962C8B-B14F-4D97-AF65-F5344CB8AC3E}">
-        <p14:creationId xmlns:p14="http://schemas.microsoft.com/office/powerpoint/2010/main" val="3784853298"/>
+        <p14:creationId xmlns:p14="http://schemas.microsoft.com/office/powerpoint/2010/main" val="1777040671"/>
       </p:ext>
     </p:extLst>
   </p:cSld>
@@ -13357,7 +13603,7 @@
           <a:p>
             <a:r>
               <a:rPr lang="en-US" dirty="0"/>
-              <a:t>Intuition</a:t>
+              <a:t>Comparing vectors</a:t>
             </a:r>
           </a:p>
         </p:txBody>
@@ -13367,7 +13613,7 @@
           <p:cNvPr id="3" name="Picture 2">
             <a:extLst>
               <a:ext uri="{FF2B5EF4-FFF2-40B4-BE49-F238E27FC236}">
-                <a16:creationId xmlns:a16="http://schemas.microsoft.com/office/drawing/2014/main" id="{5F7D73FC-B30C-5B92-F61C-38C34FA604C5}"/>
+                <a16:creationId xmlns:a16="http://schemas.microsoft.com/office/drawing/2014/main" id="{00DC0BB6-F50D-2032-3425-52911E519B2E}"/>
               </a:ext>
             </a:extLst>
           </p:cNvPr>
@@ -13384,8 +13630,8 @@
         </p:blipFill>
         <p:spPr>
           <a:xfrm>
-            <a:off x="480000" y="1722185"/>
-            <a:ext cx="11043725" cy="1618891"/>
+            <a:off x="480000" y="1795584"/>
+            <a:ext cx="9027415" cy="4685986"/>
           </a:xfrm>
           <a:prstGeom prst="rect">
             <a:avLst/>
@@ -13397,7 +13643,7 @@
           <p:cNvPr id="4" name="TextBox 3">
             <a:extLst>
               <a:ext uri="{FF2B5EF4-FFF2-40B4-BE49-F238E27FC236}">
-                <a16:creationId xmlns:a16="http://schemas.microsoft.com/office/drawing/2014/main" id="{2C3EDB5E-F5FD-3099-4FFB-616D37763870}"/>
+                <a16:creationId xmlns:a16="http://schemas.microsoft.com/office/drawing/2014/main" id="{5CAF72D6-5324-1F86-5A15-8F89B135C9B6}"/>
               </a:ext>
             </a:extLst>
           </p:cNvPr>
@@ -13406,8 +13652,8 @@
         </p:nvSpPr>
         <p:spPr>
           <a:xfrm>
-            <a:off x="568568" y="5298831"/>
-            <a:ext cx="5244449" cy="646331"/>
+            <a:off x="362770" y="1008185"/>
+            <a:ext cx="7079182" cy="461665"/>
           </a:xfrm>
           <a:prstGeom prst="rect">
             <a:avLst/>
@@ -13421,73 +13667,8 @@
           <a:lstStyle/>
           <a:p>
             <a:r>
-              <a:rPr lang="en-US" i="1" dirty="0"/>
-              <a:t>Example from Jay </a:t>
-            </a:r>
-            <a:r>
-              <a:rPr lang="en-US" i="1" dirty="0" err="1"/>
-              <a:t>Alammar</a:t>
-            </a:r>
-            <a:r>
-              <a:rPr lang="en-US" i="1" dirty="0"/>
-              <a:t>, The illustrated Word2Vec:</a:t>
-            </a:r>
-          </a:p>
-          <a:p>
-            <a:r>
-              <a:rPr lang="en-US" i="1" dirty="0"/>
-              <a:t>https://</a:t>
-            </a:r>
-            <a:r>
-              <a:rPr lang="en-US" i="1" dirty="0" err="1"/>
-              <a:t>jalammar.github.io</a:t>
-            </a:r>
-            <a:r>
-              <a:rPr lang="en-US" i="1" dirty="0"/>
-              <a:t>/illustrated-word2vec/</a:t>
-            </a:r>
-          </a:p>
-        </p:txBody>
-      </p:sp>
-      <p:sp>
-        <p:nvSpPr>
-          <p:cNvPr id="5" name="TextBox 4">
-            <a:extLst>
-              <a:ext uri="{FF2B5EF4-FFF2-40B4-BE49-F238E27FC236}">
-                <a16:creationId xmlns:a16="http://schemas.microsoft.com/office/drawing/2014/main" id="{304EEE71-9EDD-17A2-C4FB-019C291BA7F3}"/>
-              </a:ext>
-            </a:extLst>
-          </p:cNvPr>
-          <p:cNvSpPr txBox="1"/>
-          <p:nvPr/>
-        </p:nvSpPr>
-        <p:spPr>
-          <a:xfrm>
-            <a:off x="480000" y="1080260"/>
-            <a:ext cx="10266337" cy="461665"/>
-          </a:xfrm>
-          <a:prstGeom prst="rect">
-            <a:avLst/>
-          </a:prstGeom>
-          <a:noFill/>
-        </p:spPr>
-        <p:txBody>
-          <a:bodyPr wrap="none" rtlCol="0">
-            <a:spAutoFit/>
-          </a:bodyPr>
-          <a:lstStyle/>
-          <a:p>
-            <a:r>
               <a:rPr lang="en-US" sz="2400" dirty="0"/>
-              <a:t>Imagine a vector for the word “king”, (</a:t>
-            </a:r>
-            <a:r>
-              <a:rPr lang="en-US" sz="2400" dirty="0" err="1"/>
-              <a:t>GloVe</a:t>
-            </a:r>
-            <a:r>
-              <a:rPr lang="en-US" sz="2400" dirty="0"/>
-              <a:t> based vector, trained on Wikipedia):</a:t>
+              <a:t>Compare this word vector to vectors for other words:</a:t>
             </a:r>
           </a:p>
         </p:txBody>
@@ -13495,7 +13676,7 @@
     </p:spTree>
     <p:extLst>
       <p:ext uri="{BB962C8B-B14F-4D97-AF65-F5344CB8AC3E}">
-        <p14:creationId xmlns:p14="http://schemas.microsoft.com/office/powerpoint/2010/main" val="3998252195"/>
+        <p14:creationId xmlns:p14="http://schemas.microsoft.com/office/powerpoint/2010/main" val="844789753"/>
       </p:ext>
     </p:extLst>
   </p:cSld>
@@ -13530,7 +13711,7 @@
           <p:cNvPr id="2" name="Title 1">
             <a:extLst>
               <a:ext uri="{FF2B5EF4-FFF2-40B4-BE49-F238E27FC236}">
-                <a16:creationId xmlns:a16="http://schemas.microsoft.com/office/drawing/2014/main" id="{C346F371-5D5B-3EAC-7034-787767A5B5B3}"/>
+                <a16:creationId xmlns:a16="http://schemas.microsoft.com/office/drawing/2014/main" id="{009ED920-5E8B-60C6-4532-2AB36B4E6B05}"/>
               </a:ext>
             </a:extLst>
           </p:cNvPr>
@@ -13548,96 +13729,152 @@
           <a:p>
             <a:r>
               <a:rPr lang="en-US" dirty="0"/>
-              <a:t>Intuition</a:t>
+              <a:t>Learning the vectors</a:t>
             </a:r>
           </a:p>
         </p:txBody>
       </p:sp>
-      <p:pic>
-        <p:nvPicPr>
-          <p:cNvPr id="4" name="Picture 3">
+      <p:sp>
+        <p:nvSpPr>
+          <p:cNvPr id="3" name="Content Placeholder 2">
             <a:extLst>
               <a:ext uri="{FF2B5EF4-FFF2-40B4-BE49-F238E27FC236}">
-                <a16:creationId xmlns:a16="http://schemas.microsoft.com/office/drawing/2014/main" id="{E8AA7DAA-FD06-E09D-ECF4-A3DA8B26942A}"/>
+                <a16:creationId xmlns:a16="http://schemas.microsoft.com/office/drawing/2014/main" id="{EB3FD96D-53E4-1F47-299C-586723E62622}"/>
               </a:ext>
             </a:extLst>
           </p:cNvPr>
-          <p:cNvPicPr>
-            <a:picLocks noChangeAspect="1"/>
-          </p:cNvPicPr>
-          <p:nvPr/>
-        </p:nvPicPr>
-        <p:blipFill>
-          <a:blip r:embed="rId2"/>
-          <a:stretch>
-            <a:fillRect/>
-          </a:stretch>
-        </p:blipFill>
-        <p:spPr>
-          <a:xfrm>
-            <a:off x="474137" y="2097096"/>
-            <a:ext cx="11360618" cy="1666012"/>
-          </a:xfrm>
-          <a:prstGeom prst="rect">
-            <a:avLst/>
-          </a:prstGeom>
-        </p:spPr>
-      </p:pic>
-      <p:sp>
-        <p:nvSpPr>
-          <p:cNvPr id="5" name="TextBox 4">
-            <a:extLst>
-              <a:ext uri="{FF2B5EF4-FFF2-40B4-BE49-F238E27FC236}">
-                <a16:creationId xmlns:a16="http://schemas.microsoft.com/office/drawing/2014/main" id="{20FD8CA5-7236-1129-3ED8-CE5C10FF6D65}"/>
-              </a:ext>
-            </a:extLst>
-          </p:cNvPr>
-          <p:cNvSpPr txBox="1"/>
-          <p:nvPr/>
+          <p:cNvSpPr>
+            <a:spLocks noGrp="1"/>
+          </p:cNvSpPr>
+          <p:nvPr>
+            <p:ph idx="1"/>
+          </p:nvPr>
         </p:nvSpPr>
-        <p:spPr>
-          <a:xfrm>
-            <a:off x="474138" y="1036882"/>
-            <a:ext cx="8271175" cy="461665"/>
-          </a:xfrm>
-          <a:prstGeom prst="rect">
-            <a:avLst/>
-          </a:prstGeom>
-          <a:noFill/>
-        </p:spPr>
+        <p:spPr/>
         <p:txBody>
-          <a:bodyPr wrap="none" rtlCol="0">
-            <a:spAutoFit/>
+          <a:bodyPr>
+            <a:normAutofit fontScale="70000" lnSpcReduction="20000"/>
           </a:bodyPr>
           <a:lstStyle/>
           <a:p>
             <a:r>
-              <a:rPr lang="en-US" sz="2400" dirty="0"/>
-              <a:t>We can </a:t>
-            </a:r>
-            <a:r>
-              <a:rPr lang="en-US" sz="2400" dirty="0" err="1"/>
-              <a:t>visualise</a:t>
-            </a:r>
-            <a:r>
-              <a:rPr lang="en-US" sz="2400" dirty="0"/>
-              <a:t> this as bands of different </a:t>
-            </a:r>
-            <a:r>
-              <a:rPr lang="en-US" sz="2400" dirty="0" err="1"/>
-              <a:t>colours</a:t>
-            </a:r>
-            <a:r>
-              <a:rPr lang="en-US" sz="2400" dirty="0"/>
-              <a:t> and intensities:</a:t>
-            </a:r>
+              <a:rPr lang="en-GB" sz="2600" dirty="0"/>
+              <a:t>We start with a large corpus of language – a collection of texts</a:t>
+            </a:r>
+          </a:p>
+          <a:p>
+            <a:r>
+              <a:rPr lang="en-GB" sz="2600" dirty="0"/>
+              <a:t>We initialise our model with a random vector of weights for each word in the corpus</a:t>
+            </a:r>
+          </a:p>
+          <a:p>
+            <a:r>
+              <a:rPr lang="en-GB" sz="2600" dirty="0"/>
+              <a:t>We show lots of examples from the corpus of words surrounded by their context to the model</a:t>
+            </a:r>
+          </a:p>
+          <a:p>
+            <a:endParaRPr lang="en-GB" sz="2600" dirty="0"/>
+          </a:p>
+          <a:p>
+            <a:r>
+              <a:rPr lang="en-GB" sz="2600" dirty="0"/>
+              <a:t>E.g. for “on” we might have this example and word vectors</a:t>
+            </a:r>
+            <a:br>
+              <a:rPr lang="en-GB" sz="2600" dirty="0"/>
+            </a:br>
+            <a:endParaRPr lang="en-GB" sz="2600" dirty="0"/>
+          </a:p>
+          <a:p>
+            <a:pPr lvl="3"/>
+            <a:r>
+              <a:rPr lang="en-GB" sz="2600" dirty="0"/>
+              <a:t>cat sat on the mat</a:t>
+            </a:r>
+          </a:p>
+          <a:p>
+            <a:pPr lvl="3"/>
+            <a:r>
+              <a:rPr lang="en-GB" sz="2600" dirty="0"/>
+              <a:t>c1  c2  w  c3  c4</a:t>
+            </a:r>
+          </a:p>
+          <a:p>
+            <a:pPr lvl="3"/>
+            <a:r>
+              <a:rPr lang="en-GB" sz="2600" dirty="0"/>
+              <a:t>The model predicts the probability of seeing this example</a:t>
+            </a:r>
+          </a:p>
+          <a:p>
+            <a:pPr lvl="3"/>
+            <a:r>
+              <a:rPr lang="en-GB" sz="2600" dirty="0"/>
+              <a:t>We compare this probability to what we really see in our corpus</a:t>
+            </a:r>
+          </a:p>
+          <a:p>
+            <a:pPr lvl="3"/>
+            <a:r>
+              <a:rPr lang="en-GB" sz="2600" dirty="0"/>
+              <a:t>Adjust vector weights slightly to make the model prediction higher: maximise the probability of the example</a:t>
+            </a:r>
+          </a:p>
+          <a:p>
+            <a:pPr lvl="3"/>
+            <a:endParaRPr lang="en-GB" sz="2600" dirty="0"/>
+          </a:p>
+          <a:p>
+            <a:r>
+              <a:rPr lang="en-GB" sz="2600" dirty="0"/>
+              <a:t>We also present examples where our word has been replaced by a random word</a:t>
+            </a:r>
+          </a:p>
+          <a:p>
+            <a:endParaRPr lang="en-GB" sz="2600" dirty="0"/>
+          </a:p>
+          <a:p>
+            <a:r>
+              <a:rPr lang="en-GB" sz="2600" dirty="0"/>
+              <a:t>E.g. we might replace “on” with “strawberry” (chosen at random)</a:t>
+            </a:r>
+            <a:br>
+              <a:rPr lang="en-GB" sz="2600" dirty="0"/>
+            </a:br>
+            <a:endParaRPr lang="en-GB" sz="2600" dirty="0"/>
+          </a:p>
+          <a:p>
+            <a:pPr lvl="3"/>
+            <a:r>
+              <a:rPr lang="en-GB" sz="2600" dirty="0"/>
+              <a:t>cat sat strawberry the mat</a:t>
+            </a:r>
+          </a:p>
+          <a:p>
+            <a:pPr lvl="3"/>
+            <a:r>
+              <a:rPr lang="en-GB" sz="2600" dirty="0"/>
+              <a:t>c1  c2  w’  c3  c4</a:t>
+            </a:r>
+          </a:p>
+          <a:p>
+            <a:pPr lvl="3"/>
+            <a:r>
+              <a:rPr lang="en-GB" sz="2600" dirty="0"/>
+              <a:t>Adjust vector weights to make this model prediction lower: minimise the probability of random replacements</a:t>
+            </a:r>
+          </a:p>
+          <a:p>
+            <a:endParaRPr lang="en-US" dirty="0"/>
           </a:p>
         </p:txBody>
       </p:sp>
     </p:spTree>
     <p:extLst>
       <p:ext uri="{BB962C8B-B14F-4D97-AF65-F5344CB8AC3E}">
-        <p14:creationId xmlns:p14="http://schemas.microsoft.com/office/powerpoint/2010/main" val="1777040671"/>
+        <p14:creationId xmlns:p14="http://schemas.microsoft.com/office/powerpoint/2010/main" val="848858541"/>
       </p:ext>
     </p:extLst>
   </p:cSld>
@@ -13672,7 +13909,7 @@
           <p:cNvPr id="2" name="Title 1">
             <a:extLst>
               <a:ext uri="{FF2B5EF4-FFF2-40B4-BE49-F238E27FC236}">
-                <a16:creationId xmlns:a16="http://schemas.microsoft.com/office/drawing/2014/main" id="{C346F371-5D5B-3EAC-7034-787767A5B5B3}"/>
+                <a16:creationId xmlns:a16="http://schemas.microsoft.com/office/drawing/2014/main" id="{CAEA0177-8A29-378E-D1A2-357C74724A9B}"/>
               </a:ext>
             </a:extLst>
           </p:cNvPr>
@@ -13690,17 +13927,17 @@
           <a:p>
             <a:r>
               <a:rPr lang="en-US" dirty="0"/>
-              <a:t>Intuition</a:t>
+              <a:t>Learning the vectors</a:t>
             </a:r>
           </a:p>
         </p:txBody>
       </p:sp>
       <p:pic>
         <p:nvPicPr>
-          <p:cNvPr id="3" name="Picture 2">
+          <p:cNvPr id="4" name="Picture 3">
             <a:extLst>
               <a:ext uri="{FF2B5EF4-FFF2-40B4-BE49-F238E27FC236}">
-                <a16:creationId xmlns:a16="http://schemas.microsoft.com/office/drawing/2014/main" id="{00DC0BB6-F50D-2032-3425-52911E519B2E}"/>
+                <a16:creationId xmlns:a16="http://schemas.microsoft.com/office/drawing/2014/main" id="{10C8341D-0DCF-E7BC-D292-1019C295CDE5}"/>
               </a:ext>
             </a:extLst>
           </p:cNvPr>
@@ -13717,53 +13954,18 @@
         </p:blipFill>
         <p:spPr>
           <a:xfrm>
-            <a:off x="480000" y="1795584"/>
-            <a:ext cx="9027415" cy="4685986"/>
+            <a:off x="857952" y="1020564"/>
+            <a:ext cx="10017312" cy="5705303"/>
           </a:xfrm>
           <a:prstGeom prst="rect">
             <a:avLst/>
           </a:prstGeom>
         </p:spPr>
       </p:pic>
-      <p:sp>
-        <p:nvSpPr>
-          <p:cNvPr id="4" name="TextBox 3">
-            <a:extLst>
-              <a:ext uri="{FF2B5EF4-FFF2-40B4-BE49-F238E27FC236}">
-                <a16:creationId xmlns:a16="http://schemas.microsoft.com/office/drawing/2014/main" id="{5CAF72D6-5324-1F86-5A15-8F89B135C9B6}"/>
-              </a:ext>
-            </a:extLst>
-          </p:cNvPr>
-          <p:cNvSpPr txBox="1"/>
-          <p:nvPr/>
-        </p:nvSpPr>
-        <p:spPr>
-          <a:xfrm>
-            <a:off x="362770" y="1008185"/>
-            <a:ext cx="7079182" cy="461665"/>
-          </a:xfrm>
-          <a:prstGeom prst="rect">
-            <a:avLst/>
-          </a:prstGeom>
-          <a:noFill/>
-        </p:spPr>
-        <p:txBody>
-          <a:bodyPr wrap="none" rtlCol="0">
-            <a:spAutoFit/>
-          </a:bodyPr>
-          <a:lstStyle/>
-          <a:p>
-            <a:r>
-              <a:rPr lang="en-US" sz="2400" dirty="0"/>
-              <a:t>Compare this word vector to vectors for other words:</a:t>
-            </a:r>
-          </a:p>
-        </p:txBody>
-      </p:sp>
     </p:spTree>
     <p:extLst>
       <p:ext uri="{BB962C8B-B14F-4D97-AF65-F5344CB8AC3E}">
-        <p14:creationId xmlns:p14="http://schemas.microsoft.com/office/powerpoint/2010/main" val="844789753"/>
+        <p14:creationId xmlns:p14="http://schemas.microsoft.com/office/powerpoint/2010/main" val="1344946181"/>
       </p:ext>
     </p:extLst>
   </p:cSld>
@@ -13777,6 +13979,266 @@
 </file>
 
 <file path=ppt/slides/slide7.xml><?xml version="1.0" encoding="utf-8"?>
+<p:sld xmlns:a="http://schemas.openxmlformats.org/drawingml/2006/main" xmlns:r="http://schemas.openxmlformats.org/officeDocument/2006/relationships" xmlns:p="http://schemas.openxmlformats.org/presentationml/2006/main">
+  <p:cSld>
+    <p:spTree>
+      <p:nvGrpSpPr>
+        <p:cNvPr id="1" name=""/>
+        <p:cNvGrpSpPr/>
+        <p:nvPr/>
+      </p:nvGrpSpPr>
+      <p:grpSpPr>
+        <a:xfrm>
+          <a:off x="0" y="0"/>
+          <a:ext cx="0" cy="0"/>
+          <a:chOff x="0" y="0"/>
+          <a:chExt cx="0" cy="0"/>
+        </a:xfrm>
+      </p:grpSpPr>
+      <p:sp>
+        <p:nvSpPr>
+          <p:cNvPr id="2" name="Title 1">
+            <a:extLst>
+              <a:ext uri="{FF2B5EF4-FFF2-40B4-BE49-F238E27FC236}">
+                <a16:creationId xmlns:a16="http://schemas.microsoft.com/office/drawing/2014/main" id="{C9A4DD28-61F5-2FBF-25EE-5F3190FD1B60}"/>
+              </a:ext>
+            </a:extLst>
+          </p:cNvPr>
+          <p:cNvSpPr>
+            <a:spLocks noGrp="1"/>
+          </p:cNvSpPr>
+          <p:nvPr>
+            <p:ph type="title"/>
+          </p:nvPr>
+        </p:nvSpPr>
+        <p:spPr/>
+        <p:txBody>
+          <a:bodyPr/>
+          <a:lstStyle/>
+          <a:p>
+            <a:r>
+              <a:rPr lang="en-US" dirty="0"/>
+              <a:t>Intuition</a:t>
+            </a:r>
+          </a:p>
+        </p:txBody>
+      </p:sp>
+      <p:sp>
+        <p:nvSpPr>
+          <p:cNvPr id="3" name="Content Placeholder 2">
+            <a:extLst>
+              <a:ext uri="{FF2B5EF4-FFF2-40B4-BE49-F238E27FC236}">
+                <a16:creationId xmlns:a16="http://schemas.microsoft.com/office/drawing/2014/main" id="{69AAEFC1-9EF2-2EDD-7FC7-8C0B565BCDE2}"/>
+              </a:ext>
+            </a:extLst>
+          </p:cNvPr>
+          <p:cNvSpPr>
+            <a:spLocks noGrp="1"/>
+          </p:cNvSpPr>
+          <p:nvPr>
+            <p:ph idx="1"/>
+          </p:nvPr>
+        </p:nvSpPr>
+        <p:spPr/>
+        <p:txBody>
+          <a:bodyPr/>
+          <a:lstStyle/>
+          <a:p>
+            <a:r>
+              <a:rPr lang="en-GB" sz="2800" dirty="0"/>
+              <a:t>Consider that “on” and “by” play similar roles in language: </a:t>
+            </a:r>
+          </a:p>
+          <a:p>
+            <a:pPr lvl="3"/>
+            <a:r>
+              <a:rPr lang="en-GB" sz="2800" dirty="0"/>
+              <a:t>cat sat on the mat</a:t>
+            </a:r>
+          </a:p>
+          <a:p>
+            <a:pPr lvl="3"/>
+            <a:r>
+              <a:rPr lang="en-GB" sz="2800" dirty="0"/>
+              <a:t>cat sat by the mat</a:t>
+            </a:r>
+          </a:p>
+          <a:p>
+            <a:r>
+              <a:rPr lang="en-GB" sz="2800" dirty="0"/>
+              <a:t>We would expect “on” and “by” to have similar feature vectors</a:t>
+            </a:r>
+          </a:p>
+          <a:p>
+            <a:r>
+              <a:rPr lang="en-GB" sz="2800" dirty="0"/>
+              <a:t>And for the other words, we can generalize further:</a:t>
+            </a:r>
+          </a:p>
+          <a:p>
+            <a:pPr lvl="3"/>
+            <a:r>
+              <a:rPr lang="en-GB" sz="2800" dirty="0"/>
+              <a:t>dog sits on a rug</a:t>
+            </a:r>
+          </a:p>
+          <a:p>
+            <a:pPr lvl="3"/>
+            <a:r>
+              <a:rPr lang="en-GB" sz="2800" dirty="0"/>
+              <a:t>dog lies under a rug</a:t>
+            </a:r>
+          </a:p>
+          <a:p>
+            <a:pPr lvl="3"/>
+            <a:r>
+              <a:rPr lang="en-GB" sz="2800" dirty="0"/>
+              <a:t>…</a:t>
+            </a:r>
+          </a:p>
+          <a:p>
+            <a:pPr marL="0" indent="0">
+              <a:buNone/>
+            </a:pPr>
+            <a:br>
+              <a:rPr lang="en-GB" dirty="0"/>
+            </a:br>
+            <a:endParaRPr lang="en-GB" dirty="0"/>
+          </a:p>
+          <a:p>
+            <a:endParaRPr lang="en-US" dirty="0"/>
+          </a:p>
+        </p:txBody>
+      </p:sp>
+    </p:spTree>
+    <p:extLst>
+      <p:ext uri="{BB962C8B-B14F-4D97-AF65-F5344CB8AC3E}">
+        <p14:creationId xmlns:p14="http://schemas.microsoft.com/office/powerpoint/2010/main" val="805759784"/>
+      </p:ext>
+    </p:extLst>
+  </p:cSld>
+  <p:clrMapOvr>
+    <a:masterClrMapping/>
+  </p:clrMapOvr>
+  <p:transition>
+    <p:fade/>
+  </p:transition>
+</p:sld>
+</file>
+
+<file path=ppt/slides/slide8.xml><?xml version="1.0" encoding="utf-8"?>
+<p:sld xmlns:a="http://schemas.openxmlformats.org/drawingml/2006/main" xmlns:r="http://schemas.openxmlformats.org/officeDocument/2006/relationships" xmlns:p="http://schemas.openxmlformats.org/presentationml/2006/main">
+  <p:cSld>
+    <p:spTree>
+      <p:nvGrpSpPr>
+        <p:cNvPr id="1" name=""/>
+        <p:cNvGrpSpPr/>
+        <p:nvPr/>
+      </p:nvGrpSpPr>
+      <p:grpSpPr>
+        <a:xfrm>
+          <a:off x="0" y="0"/>
+          <a:ext cx="0" cy="0"/>
+          <a:chOff x="0" y="0"/>
+          <a:chExt cx="0" cy="0"/>
+        </a:xfrm>
+      </p:grpSpPr>
+      <p:sp>
+        <p:nvSpPr>
+          <p:cNvPr id="2" name="Title 1">
+            <a:extLst>
+              <a:ext uri="{FF2B5EF4-FFF2-40B4-BE49-F238E27FC236}">
+                <a16:creationId xmlns:a16="http://schemas.microsoft.com/office/drawing/2014/main" id="{01D3B8EB-7E41-65E1-A5B3-C311C8BC4798}"/>
+              </a:ext>
+            </a:extLst>
+          </p:cNvPr>
+          <p:cNvSpPr>
+            <a:spLocks noGrp="1"/>
+          </p:cNvSpPr>
+          <p:nvPr>
+            <p:ph type="title"/>
+          </p:nvPr>
+        </p:nvSpPr>
+        <p:spPr/>
+        <p:txBody>
+          <a:bodyPr/>
+          <a:lstStyle/>
+          <a:p>
+            <a:r>
+              <a:rPr lang="en-US" dirty="0"/>
+              <a:t>Intuition</a:t>
+            </a:r>
+          </a:p>
+        </p:txBody>
+      </p:sp>
+      <p:sp>
+        <p:nvSpPr>
+          <p:cNvPr id="3" name="Content Placeholder 2">
+            <a:extLst>
+              <a:ext uri="{FF2B5EF4-FFF2-40B4-BE49-F238E27FC236}">
+                <a16:creationId xmlns:a16="http://schemas.microsoft.com/office/drawing/2014/main" id="{C25124D1-9343-B33C-59A6-B871ECBAC550}"/>
+              </a:ext>
+            </a:extLst>
+          </p:cNvPr>
+          <p:cNvSpPr>
+            <a:spLocks noGrp="1"/>
+          </p:cNvSpPr>
+          <p:nvPr>
+            <p:ph idx="1"/>
+          </p:nvPr>
+        </p:nvSpPr>
+        <p:spPr/>
+        <p:txBody>
+          <a:bodyPr/>
+          <a:lstStyle/>
+          <a:p>
+            <a:r>
+              <a:rPr lang="en-GB" sz="2800" dirty="0"/>
+              <a:t>If two words have similar contexts, then their feature vectors will be similar</a:t>
+            </a:r>
+          </a:p>
+          <a:p>
+            <a:r>
+              <a:rPr lang="en-GB" sz="2800" dirty="0"/>
+              <a:t>The final feature vector for a word gives a distributed representation of the word – </a:t>
+            </a:r>
+            <a:r>
+              <a:rPr lang="en-GB" sz="2800" b="1" i="1" dirty="0"/>
+              <a:t>word embeddings </a:t>
+            </a:r>
+            <a:r>
+              <a:rPr lang="en-GB" sz="2800" dirty="0"/>
+              <a:t>– a dimensionality reduction from our word space to real number vectors</a:t>
+            </a:r>
+          </a:p>
+          <a:p>
+            <a:r>
+              <a:rPr lang="en-GB" sz="2800" dirty="0"/>
+              <a:t>We use these word embedding as features in place of our words in models</a:t>
+            </a:r>
+          </a:p>
+          <a:p>
+            <a:endParaRPr lang="en-US" dirty="0"/>
+          </a:p>
+        </p:txBody>
+      </p:sp>
+    </p:spTree>
+    <p:extLst>
+      <p:ext uri="{BB962C8B-B14F-4D97-AF65-F5344CB8AC3E}">
+        <p14:creationId xmlns:p14="http://schemas.microsoft.com/office/powerpoint/2010/main" val="4235502617"/>
+      </p:ext>
+    </p:extLst>
+  </p:cSld>
+  <p:clrMapOvr>
+    <a:masterClrMapping/>
+  </p:clrMapOvr>
+  <p:transition>
+    <p:fade/>
+  </p:transition>
+</p:sld>
+</file>
+
+<file path=ppt/slides/slide9.xml><?xml version="1.0" encoding="utf-8"?>
 <p:sld xmlns:a="http://schemas.openxmlformats.org/drawingml/2006/main" xmlns:r="http://schemas.openxmlformats.org/officeDocument/2006/relationships" xmlns:p="http://schemas.openxmlformats.org/presentationml/2006/main">
   <p:cSld>
     <p:spTree>
@@ -13899,253 +14361,6 @@
     <p:extLst>
       <p:ext uri="{BB962C8B-B14F-4D97-AF65-F5344CB8AC3E}">
         <p14:creationId xmlns:p14="http://schemas.microsoft.com/office/powerpoint/2010/main" val="3249042536"/>
-      </p:ext>
-    </p:extLst>
-  </p:cSld>
-  <p:clrMapOvr>
-    <a:masterClrMapping/>
-  </p:clrMapOvr>
-  <p:transition>
-    <p:fade/>
-  </p:transition>
-</p:sld>
-</file>
-
-<file path=ppt/slides/slide8.xml><?xml version="1.0" encoding="utf-8"?>
-<p:sld xmlns:a="http://schemas.openxmlformats.org/drawingml/2006/main" xmlns:r="http://schemas.openxmlformats.org/officeDocument/2006/relationships" xmlns:p="http://schemas.openxmlformats.org/presentationml/2006/main">
-  <p:cSld>
-    <p:spTree>
-      <p:nvGrpSpPr>
-        <p:cNvPr id="1" name=""/>
-        <p:cNvGrpSpPr/>
-        <p:nvPr/>
-      </p:nvGrpSpPr>
-      <p:grpSpPr>
-        <a:xfrm>
-          <a:off x="0" y="0"/>
-          <a:ext cx="0" cy="0"/>
-          <a:chOff x="0" y="0"/>
-          <a:chExt cx="0" cy="0"/>
-        </a:xfrm>
-      </p:grpSpPr>
-      <p:sp>
-        <p:nvSpPr>
-          <p:cNvPr id="2" name="Title 1">
-            <a:extLst>
-              <a:ext uri="{FF2B5EF4-FFF2-40B4-BE49-F238E27FC236}">
-                <a16:creationId xmlns:a16="http://schemas.microsoft.com/office/drawing/2014/main" id="{2032C016-0890-6528-736B-9BB28DDCC256}"/>
-              </a:ext>
-            </a:extLst>
-          </p:cNvPr>
-          <p:cNvSpPr>
-            <a:spLocks noGrp="1"/>
-          </p:cNvSpPr>
-          <p:nvPr>
-            <p:ph type="title"/>
-          </p:nvPr>
-        </p:nvSpPr>
-        <p:spPr/>
-        <p:txBody>
-          <a:bodyPr/>
-          <a:lstStyle/>
-          <a:p>
-            <a:r>
-              <a:rPr lang="en-US" dirty="0" err="1"/>
-              <a:t>Visualisation</a:t>
-            </a:r>
-            <a:endParaRPr lang="en-US" dirty="0"/>
-          </a:p>
-        </p:txBody>
-      </p:sp>
-      <p:pic>
-        <p:nvPicPr>
-          <p:cNvPr id="4" name="Picture 3">
-            <a:extLst>
-              <a:ext uri="{FF2B5EF4-FFF2-40B4-BE49-F238E27FC236}">
-                <a16:creationId xmlns:a16="http://schemas.microsoft.com/office/drawing/2014/main" id="{65A26086-B0FD-A15F-3D0D-063D95AB125C}"/>
-              </a:ext>
-            </a:extLst>
-          </p:cNvPr>
-          <p:cNvPicPr>
-            <a:picLocks noChangeAspect="1"/>
-          </p:cNvPicPr>
-          <p:nvPr/>
-        </p:nvPicPr>
-        <p:blipFill>
-          <a:blip r:embed="rId2"/>
-          <a:stretch>
-            <a:fillRect/>
-          </a:stretch>
-        </p:blipFill>
-        <p:spPr>
-          <a:xfrm>
-            <a:off x="480000" y="1147395"/>
-            <a:ext cx="8168104" cy="4678973"/>
-          </a:xfrm>
-          <a:prstGeom prst="rect">
-            <a:avLst/>
-          </a:prstGeom>
-        </p:spPr>
-      </p:pic>
-      <p:sp>
-        <p:nvSpPr>
-          <p:cNvPr id="5" name="TextBox 4">
-            <a:extLst>
-              <a:ext uri="{FF2B5EF4-FFF2-40B4-BE49-F238E27FC236}">
-                <a16:creationId xmlns:a16="http://schemas.microsoft.com/office/drawing/2014/main" id="{73F35F5B-D7FE-04AB-7E4C-FC719652F716}"/>
-              </a:ext>
-            </a:extLst>
-          </p:cNvPr>
-          <p:cNvSpPr txBox="1"/>
-          <p:nvPr/>
-        </p:nvSpPr>
-        <p:spPr>
-          <a:xfrm>
-            <a:off x="480000" y="6126542"/>
-            <a:ext cx="5965864" cy="369332"/>
-          </a:xfrm>
-          <a:prstGeom prst="rect">
-            <a:avLst/>
-          </a:prstGeom>
-          <a:noFill/>
-        </p:spPr>
-        <p:txBody>
-          <a:bodyPr wrap="none" rtlCol="0">
-            <a:spAutoFit/>
-          </a:bodyPr>
-          <a:lstStyle/>
-          <a:p>
-            <a:r>
-              <a:rPr lang="en-US" i="1" dirty="0"/>
-              <a:t>2D projection from </a:t>
-            </a:r>
-            <a:r>
-              <a:rPr lang="en-US" i="1" dirty="0" err="1"/>
-              <a:t>Mikolov</a:t>
-            </a:r>
-            <a:r>
-              <a:rPr lang="en-US" i="1" dirty="0"/>
-              <a:t> et al, Google Research, NIPS 2013</a:t>
-            </a:r>
-          </a:p>
-        </p:txBody>
-      </p:sp>
-    </p:spTree>
-    <p:extLst>
-      <p:ext uri="{BB962C8B-B14F-4D97-AF65-F5344CB8AC3E}">
-        <p14:creationId xmlns:p14="http://schemas.microsoft.com/office/powerpoint/2010/main" val="3736118193"/>
-      </p:ext>
-    </p:extLst>
-  </p:cSld>
-  <p:clrMapOvr>
-    <a:masterClrMapping/>
-  </p:clrMapOvr>
-  <p:transition>
-    <p:fade/>
-  </p:transition>
-</p:sld>
-</file>
-
-<file path=ppt/slides/slide9.xml><?xml version="1.0" encoding="utf-8"?>
-<p:sld xmlns:a="http://schemas.openxmlformats.org/drawingml/2006/main" xmlns:r="http://schemas.openxmlformats.org/officeDocument/2006/relationships" xmlns:p="http://schemas.openxmlformats.org/presentationml/2006/main">
-  <p:cSld>
-    <p:spTree>
-      <p:nvGrpSpPr>
-        <p:cNvPr id="1" name=""/>
-        <p:cNvGrpSpPr/>
-        <p:nvPr/>
-      </p:nvGrpSpPr>
-      <p:grpSpPr>
-        <a:xfrm>
-          <a:off x="0" y="0"/>
-          <a:ext cx="0" cy="0"/>
-          <a:chOff x="0" y="0"/>
-          <a:chExt cx="0" cy="0"/>
-        </a:xfrm>
-      </p:grpSpPr>
-      <p:sp>
-        <p:nvSpPr>
-          <p:cNvPr id="3" name="Title 2">
-            <a:extLst>
-              <a:ext uri="{FF2B5EF4-FFF2-40B4-BE49-F238E27FC236}">
-                <a16:creationId xmlns:a16="http://schemas.microsoft.com/office/drawing/2014/main" id="{EFBB7BBB-BDEE-0645-B9B4-BC16FFC45233}"/>
-              </a:ext>
-            </a:extLst>
-          </p:cNvPr>
-          <p:cNvSpPr>
-            <a:spLocks noGrp="1"/>
-          </p:cNvSpPr>
-          <p:nvPr>
-            <p:ph type="ctrTitle"/>
-          </p:nvPr>
-        </p:nvSpPr>
-        <p:spPr/>
-        <p:txBody>
-          <a:bodyPr/>
-          <a:lstStyle/>
-          <a:p>
-            <a:r>
-              <a:rPr lang="en-US" dirty="0"/>
-              <a:t>Thank you</a:t>
-            </a:r>
-          </a:p>
-        </p:txBody>
-      </p:sp>
-      <p:sp>
-        <p:nvSpPr>
-          <p:cNvPr id="2" name="Text Placeholder 1">
-            <a:extLst>
-              <a:ext uri="{FF2B5EF4-FFF2-40B4-BE49-F238E27FC236}">
-                <a16:creationId xmlns:a16="http://schemas.microsoft.com/office/drawing/2014/main" id="{AE695B9B-A7BB-114B-9B0A-D884141025B8}"/>
-              </a:ext>
-            </a:extLst>
-          </p:cNvPr>
-          <p:cNvSpPr>
-            <a:spLocks noGrp="1"/>
-          </p:cNvSpPr>
-          <p:nvPr>
-            <p:ph type="body" sz="quarter" idx="10"/>
-          </p:nvPr>
-        </p:nvSpPr>
-        <p:spPr/>
-        <p:txBody>
-          <a:bodyPr/>
-          <a:lstStyle/>
-          <a:p>
-            <a:br>
-              <a:rPr lang="en-GB" dirty="0"/>
-            </a:br>
-            <a:r>
-              <a:rPr lang="en-GB" dirty="0" err="1"/>
-              <a:t>angus.roberts@kcl.ac.uk</a:t>
-            </a:r>
-            <a:br>
-              <a:rPr lang="en-GB" dirty="0"/>
-            </a:br>
-            <a:r>
-              <a:rPr lang="en-GB" dirty="0"/>
-              <a:t>https://</a:t>
-            </a:r>
-            <a:r>
-              <a:rPr lang="en-GB" dirty="0" err="1"/>
-              <a:t>www.kcl.ac.uk</a:t>
-            </a:r>
-            <a:r>
-              <a:rPr lang="en-GB" dirty="0"/>
-              <a:t>/people/angus-</a:t>
-            </a:r>
-            <a:r>
-              <a:rPr lang="en-GB" dirty="0" err="1"/>
-              <a:t>roberts</a:t>
-            </a:r>
-            <a:endParaRPr lang="en-US" dirty="0"/>
-          </a:p>
-        </p:txBody>
-      </p:sp>
-    </p:spTree>
-    <p:extLst>
-      <p:ext uri="{BB962C8B-B14F-4D97-AF65-F5344CB8AC3E}">
-        <p14:creationId xmlns:p14="http://schemas.microsoft.com/office/powerpoint/2010/main" val="4152590368"/>
       </p:ext>
     </p:extLst>
   </p:cSld>
@@ -14791,6 +15006,15 @@
 </file>
 
 <file path=customXml/item1.xml><?xml version="1.0" encoding="utf-8"?>
+<?mso-contentType ?>
+<FormTemplates xmlns="http://schemas.microsoft.com/sharepoint/v3/contenttype/forms">
+  <Display>DocumentLibraryForm</Display>
+  <Edit>DocumentLibraryForm</Edit>
+  <New>DocumentLibraryForm</New>
+</FormTemplates>
+</file>
+
+<file path=customXml/item2.xml><?xml version="1.0" encoding="utf-8"?>
 <ct:contentTypeSchema xmlns:ct="http://schemas.microsoft.com/office/2006/metadata/contentType" xmlns:ma="http://schemas.microsoft.com/office/2006/metadata/properties/metaAttributes" ct:_="" ma:_="" ma:contentTypeName="Document" ma:contentTypeID="0x010100B02558F287BC8344AD539CDC4DA17FBC" ma:contentTypeVersion="10" ma:contentTypeDescription="Create a new document." ma:contentTypeScope="" ma:versionID="165e8038d85e89d0753c71c915416bd7">
   <xsd:schema xmlns:xsd="http://www.w3.org/2001/XMLSchema" xmlns:xs="http://www.w3.org/2001/XMLSchema" xmlns:p="http://schemas.microsoft.com/office/2006/metadata/properties" xmlns:ns2="a9a9e2ba-2d19-46fe-bf54-0255447a607c" xmlns:ns3="8e67869f-b319-4f8e-812d-d2b9322169ce" targetNamespace="http://schemas.microsoft.com/office/2006/metadata/properties" ma:root="true" ma:fieldsID="abf99e3026b4072fe3426938b59b700a" ns2:_="" ns3:_="">
     <xsd:import namespace="a9a9e2ba-2d19-46fe-bf54-0255447a607c"/>
@@ -14995,15 +15219,6 @@
 </ct:contentTypeSchema>
 </file>
 
-<file path=customXml/item2.xml><?xml version="1.0" encoding="utf-8"?>
-<?mso-contentType ?>
-<FormTemplates xmlns="http://schemas.microsoft.com/sharepoint/v3/contenttype/forms">
-  <Display>DocumentLibraryForm</Display>
-  <Edit>DocumentLibraryForm</Edit>
-  <New>DocumentLibraryForm</New>
-</FormTemplates>
-</file>
-
 <file path=customXml/item3.xml><?xml version="1.0" encoding="utf-8"?>
 <p:properties xmlns:p="http://schemas.microsoft.com/office/2006/metadata/properties" xmlns:xsi="http://www.w3.org/2001/XMLSchema-instance" xmlns:pc="http://schemas.microsoft.com/office/infopath/2007/PartnerControls">
   <documentManagement/>
@@ -15011,6 +15226,14 @@
 </file>
 
 <file path=customXml/itemProps1.xml><?xml version="1.0" encoding="utf-8"?>
+<ds:datastoreItem xmlns:ds="http://schemas.openxmlformats.org/officeDocument/2006/customXml" ds:itemID="{4A9C8777-C6EC-4528-A529-B1E15BCDF7A3}">
+  <ds:schemaRefs>
+    <ds:schemaRef ds:uri="http://schemas.microsoft.com/sharepoint/v3/contenttype/forms"/>
+  </ds:schemaRefs>
+</ds:datastoreItem>
+</file>
+
+<file path=customXml/itemProps2.xml><?xml version="1.0" encoding="utf-8"?>
 <ds:datastoreItem xmlns:ds="http://schemas.openxmlformats.org/officeDocument/2006/customXml" ds:itemID="{91B57E6C-04A0-4EB4-9DC4-971645A5D1A1}">
   <ds:schemaRefs>
     <ds:schemaRef ds:uri="http://schemas.microsoft.com/office/2006/metadata/contentType"/>
@@ -15025,14 +15248,6 @@
     <ds:schemaRef ds:uri="http://purl.org/dc/elements/1.1/"/>
     <ds:schemaRef ds:uri="http://purl.org/dc/terms/"/>
     <ds:schemaRef ds:uri="http://schemas.microsoft.com/internal/obd"/>
-  </ds:schemaRefs>
-</ds:datastoreItem>
-</file>
-
-<file path=customXml/itemProps2.xml><?xml version="1.0" encoding="utf-8"?>
-<ds:datastoreItem xmlns:ds="http://schemas.openxmlformats.org/officeDocument/2006/customXml" ds:itemID="{4A9C8777-C6EC-4528-A529-B1E15BCDF7A3}">
-  <ds:schemaRefs>
-    <ds:schemaRef ds:uri="http://schemas.microsoft.com/sharepoint/v3/contenttype/forms"/>
   </ds:schemaRefs>
 </ds:datastoreItem>
 </file>
